--- a/Doc/DBP_presentation.pptx
+++ b/Doc/DBP_presentation.pptx
@@ -5,17 +5,24 @@
     <p:sldMasterId id="2147483694" r:id="rId1"/>
   </p:sldMasterIdLst>
   <p:notesMasterIdLst>
-    <p:notesMasterId r:id="rId10"/>
+    <p:notesMasterId r:id="rId17"/>
   </p:notesMasterIdLst>
   <p:sldIdLst>
     <p:sldId id="256" r:id="rId2"/>
     <p:sldId id="257" r:id="rId3"/>
-    <p:sldId id="263" r:id="rId4"/>
-    <p:sldId id="259" r:id="rId5"/>
-    <p:sldId id="260" r:id="rId6"/>
-    <p:sldId id="261" r:id="rId7"/>
-    <p:sldId id="262" r:id="rId8"/>
-    <p:sldId id="258" r:id="rId9"/>
+    <p:sldId id="268" r:id="rId4"/>
+    <p:sldId id="263" r:id="rId5"/>
+    <p:sldId id="259" r:id="rId6"/>
+    <p:sldId id="260" r:id="rId7"/>
+    <p:sldId id="261" r:id="rId8"/>
+    <p:sldId id="262" r:id="rId9"/>
+    <p:sldId id="264" r:id="rId10"/>
+    <p:sldId id="265" r:id="rId11"/>
+    <p:sldId id="266" r:id="rId12"/>
+    <p:sldId id="269" r:id="rId13"/>
+    <p:sldId id="270" r:id="rId14"/>
+    <p:sldId id="271" r:id="rId15"/>
+    <p:sldId id="272" r:id="rId16"/>
   </p:sldIdLst>
   <p:sldSz cx="12192000" cy="6858000"/>
   <p:notesSz cx="6858000" cy="9144000"/>
@@ -114,6 +121,11 @@
       </a:defRPr>
     </a:lvl9pPr>
   </p:defaultTextStyle>
+  <p:extLst>
+    <p:ext uri="{EFAFB233-063F-42B5-8137-9DF3F51BA10A}">
+      <p15:sldGuideLst xmlns:p15="http://schemas.microsoft.com/office/powerpoint/2012/main"/>
+    </p:ext>
+  </p:extLst>
 </p:presentation>
 </file>
 
@@ -199,7 +211,7 @@
           <a:p>
             <a:fld id="{FBA30F2B-EF57-4FD4-93ED-388511967A96}" type="datetimeFigureOut">
               <a:rPr lang="LID4096" smtClean="0"/>
-              <a:t>05/17/2018</a:t>
+              <a:t>05/22/2018</a:t>
             </a:fld>
             <a:endParaRPr lang="LID4096"/>
           </a:p>
@@ -655,7 +667,7 @@
           <a:p>
             <a:fld id="{DD356127-0AE7-4ED4-968E-3EB923F15875}" type="datetime1">
               <a:rPr lang="LID4096" smtClean="0"/>
-              <a:t>05/17/2018</a:t>
+              <a:t>05/22/2018</a:t>
             </a:fld>
             <a:endParaRPr lang="LID4096" dirty="0"/>
           </a:p>
@@ -7979,7 +7991,7 @@
           <a:p>
             <a:fld id="{7BE0AB99-2446-423A-9A38-99B7DC38ACEB}" type="datetime1">
               <a:rPr lang="LID4096" smtClean="0"/>
-              <a:t>05/17/2018</a:t>
+              <a:t>05/22/2018</a:t>
             </a:fld>
             <a:endParaRPr lang="LID4096"/>
           </a:p>
@@ -8653,6 +8665,775 @@
 </p:sld>
 </file>
 
+<file path=ppt/slides/slide10.xml><?xml version="1.0" encoding="utf-8"?>
+<p:sld xmlns:a="http://schemas.openxmlformats.org/drawingml/2006/main" xmlns:r="http://schemas.openxmlformats.org/officeDocument/2006/relationships" xmlns:p="http://schemas.openxmlformats.org/presentationml/2006/main">
+  <p:cSld>
+    <p:spTree>
+      <p:nvGrpSpPr>
+        <p:cNvPr id="1" name=""/>
+        <p:cNvGrpSpPr/>
+        <p:nvPr/>
+      </p:nvGrpSpPr>
+      <p:grpSpPr>
+        <a:xfrm>
+          <a:off x="0" y="0"/>
+          <a:ext cx="0" cy="0"/>
+          <a:chOff x="0" y="0"/>
+          <a:chExt cx="0" cy="0"/>
+        </a:xfrm>
+      </p:grpSpPr>
+      <p:sp>
+        <p:nvSpPr>
+          <p:cNvPr id="2" name="Title 1">
+            <a:extLst>
+              <a:ext uri="{FF2B5EF4-FFF2-40B4-BE49-F238E27FC236}">
+                <a16:creationId xmlns:a16="http://schemas.microsoft.com/office/drawing/2014/main" id="{0BE53E45-9A00-4D96-8241-5A8EE49EDCAA}"/>
+              </a:ext>
+            </a:extLst>
+          </p:cNvPr>
+          <p:cNvSpPr>
+            <a:spLocks noGrp="1"/>
+          </p:cNvSpPr>
+          <p:nvPr>
+            <p:ph type="title"/>
+          </p:nvPr>
+        </p:nvSpPr>
+        <p:spPr/>
+        <p:txBody>
+          <a:bodyPr/>
+          <a:lstStyle/>
+          <a:p>
+            <a:r>
+              <a:rPr lang="en-US" dirty="0"/>
+              <a:t>Event Types and other Elements</a:t>
+            </a:r>
+            <a:endParaRPr lang="LID4096" dirty="0"/>
+          </a:p>
+        </p:txBody>
+      </p:sp>
+      <p:sp>
+        <p:nvSpPr>
+          <p:cNvPr id="4" name="Footer Placeholder 3">
+            <a:extLst>
+              <a:ext uri="{FF2B5EF4-FFF2-40B4-BE49-F238E27FC236}">
+                <a16:creationId xmlns:a16="http://schemas.microsoft.com/office/drawing/2014/main" id="{CDF18D4D-7E18-4819-B85B-D90EF82094F0}"/>
+              </a:ext>
+            </a:extLst>
+          </p:cNvPr>
+          <p:cNvSpPr>
+            <a:spLocks noGrp="1"/>
+          </p:cNvSpPr>
+          <p:nvPr>
+            <p:ph type="ftr" sz="quarter" idx="11"/>
+          </p:nvPr>
+        </p:nvSpPr>
+        <p:spPr/>
+        <p:txBody>
+          <a:bodyPr/>
+          <a:lstStyle/>
+          <a:p>
+            <a:endParaRPr lang="LID4096"/>
+          </a:p>
+        </p:txBody>
+      </p:sp>
+      <p:sp>
+        <p:nvSpPr>
+          <p:cNvPr id="5" name="Slide Number Placeholder 4">
+            <a:extLst>
+              <a:ext uri="{FF2B5EF4-FFF2-40B4-BE49-F238E27FC236}">
+                <a16:creationId xmlns:a16="http://schemas.microsoft.com/office/drawing/2014/main" id="{3DF34443-CA57-4A5E-91EE-7C41A34AE825}"/>
+              </a:ext>
+            </a:extLst>
+          </p:cNvPr>
+          <p:cNvSpPr>
+            <a:spLocks noGrp="1"/>
+          </p:cNvSpPr>
+          <p:nvPr>
+            <p:ph type="sldNum" sz="quarter" idx="12"/>
+          </p:nvPr>
+        </p:nvSpPr>
+        <p:spPr/>
+        <p:txBody>
+          <a:bodyPr/>
+          <a:lstStyle/>
+          <a:p>
+            <a:fld id="{82CFB014-AD6C-4066-8172-84F279028A0C}" type="slidenum">
+              <a:rPr lang="LID4096" smtClean="0"/>
+              <a:t>10</a:t>
+            </a:fld>
+            <a:endParaRPr lang="LID4096"/>
+          </a:p>
+        </p:txBody>
+      </p:sp>
+      <p:pic>
+        <p:nvPicPr>
+          <p:cNvPr id="9" name="Content Placeholder 8">
+            <a:extLst>
+              <a:ext uri="{FF2B5EF4-FFF2-40B4-BE49-F238E27FC236}">
+                <a16:creationId xmlns:a16="http://schemas.microsoft.com/office/drawing/2014/main" id="{1ED08007-16D4-4106-BD7D-F856937A7B4C}"/>
+              </a:ext>
+            </a:extLst>
+          </p:cNvPr>
+          <p:cNvPicPr>
+            <a:picLocks noGrp="1" noChangeAspect="1"/>
+          </p:cNvPicPr>
+          <p:nvPr>
+            <p:ph idx="1"/>
+          </p:nvPr>
+        </p:nvPicPr>
+        <p:blipFill>
+          <a:blip r:embed="rId2">
+            <a:extLst>
+              <a:ext uri="{28A0092B-C50C-407E-A947-70E740481C1C}">
+                <a14:useLocalDpi xmlns:a14="http://schemas.microsoft.com/office/drawing/2010/main" val="0"/>
+              </a:ext>
+              <a:ext uri="{96DAC541-7B7A-43D3-8B79-37D633B846F1}">
+                <asvg:svgBlip xmlns:asvg="http://schemas.microsoft.com/office/drawing/2016/SVG/main" r:embed="rId3"/>
+              </a:ext>
+            </a:extLst>
+          </a:blip>
+          <a:stretch>
+            <a:fillRect/>
+          </a:stretch>
+        </p:blipFill>
+        <p:spPr>
+          <a:xfrm>
+            <a:off x="2610627" y="1905000"/>
+            <a:ext cx="2657475" cy="733425"/>
+          </a:xfrm>
+        </p:spPr>
+      </p:pic>
+    </p:spTree>
+    <p:extLst>
+      <p:ext uri="{BB962C8B-B14F-4D97-AF65-F5344CB8AC3E}">
+        <p14:creationId xmlns:p14="http://schemas.microsoft.com/office/powerpoint/2010/main" val="837509821"/>
+      </p:ext>
+    </p:extLst>
+  </p:cSld>
+  <p:clrMapOvr>
+    <a:masterClrMapping/>
+  </p:clrMapOvr>
+</p:sld>
+</file>
+
+<file path=ppt/slides/slide11.xml><?xml version="1.0" encoding="utf-8"?>
+<p:sld xmlns:a="http://schemas.openxmlformats.org/drawingml/2006/main" xmlns:r="http://schemas.openxmlformats.org/officeDocument/2006/relationships" xmlns:p="http://schemas.openxmlformats.org/presentationml/2006/main">
+  <p:cSld>
+    <p:spTree>
+      <p:nvGrpSpPr>
+        <p:cNvPr id="1" name=""/>
+        <p:cNvGrpSpPr/>
+        <p:nvPr/>
+      </p:nvGrpSpPr>
+      <p:grpSpPr>
+        <a:xfrm>
+          <a:off x="0" y="0"/>
+          <a:ext cx="0" cy="0"/>
+          <a:chOff x="0" y="0"/>
+          <a:chExt cx="0" cy="0"/>
+        </a:xfrm>
+      </p:grpSpPr>
+      <p:sp>
+        <p:nvSpPr>
+          <p:cNvPr id="2" name="Title 1">
+            <a:extLst>
+              <a:ext uri="{FF2B5EF4-FFF2-40B4-BE49-F238E27FC236}">
+                <a16:creationId xmlns:a16="http://schemas.microsoft.com/office/drawing/2014/main" id="{0BE53E45-9A00-4D96-8241-5A8EE49EDCAA}"/>
+              </a:ext>
+            </a:extLst>
+          </p:cNvPr>
+          <p:cNvSpPr>
+            <a:spLocks noGrp="1"/>
+          </p:cNvSpPr>
+          <p:nvPr>
+            <p:ph type="title"/>
+          </p:nvPr>
+        </p:nvSpPr>
+        <p:spPr/>
+        <p:txBody>
+          <a:bodyPr/>
+          <a:lstStyle/>
+          <a:p>
+            <a:r>
+              <a:rPr lang="en-US" dirty="0"/>
+              <a:t>User &amp; Groups</a:t>
+            </a:r>
+            <a:endParaRPr lang="LID4096" dirty="0"/>
+          </a:p>
+        </p:txBody>
+      </p:sp>
+      <p:sp>
+        <p:nvSpPr>
+          <p:cNvPr id="4" name="Footer Placeholder 3">
+            <a:extLst>
+              <a:ext uri="{FF2B5EF4-FFF2-40B4-BE49-F238E27FC236}">
+                <a16:creationId xmlns:a16="http://schemas.microsoft.com/office/drawing/2014/main" id="{CDF18D4D-7E18-4819-B85B-D90EF82094F0}"/>
+              </a:ext>
+            </a:extLst>
+          </p:cNvPr>
+          <p:cNvSpPr>
+            <a:spLocks noGrp="1"/>
+          </p:cNvSpPr>
+          <p:nvPr>
+            <p:ph type="ftr" sz="quarter" idx="11"/>
+          </p:nvPr>
+        </p:nvSpPr>
+        <p:spPr/>
+        <p:txBody>
+          <a:bodyPr/>
+          <a:lstStyle/>
+          <a:p>
+            <a:endParaRPr lang="LID4096"/>
+          </a:p>
+        </p:txBody>
+      </p:sp>
+      <p:sp>
+        <p:nvSpPr>
+          <p:cNvPr id="5" name="Slide Number Placeholder 4">
+            <a:extLst>
+              <a:ext uri="{FF2B5EF4-FFF2-40B4-BE49-F238E27FC236}">
+                <a16:creationId xmlns:a16="http://schemas.microsoft.com/office/drawing/2014/main" id="{3DF34443-CA57-4A5E-91EE-7C41A34AE825}"/>
+              </a:ext>
+            </a:extLst>
+          </p:cNvPr>
+          <p:cNvSpPr>
+            <a:spLocks noGrp="1"/>
+          </p:cNvSpPr>
+          <p:nvPr>
+            <p:ph type="sldNum" sz="quarter" idx="12"/>
+          </p:nvPr>
+        </p:nvSpPr>
+        <p:spPr/>
+        <p:txBody>
+          <a:bodyPr/>
+          <a:lstStyle/>
+          <a:p>
+            <a:fld id="{82CFB014-AD6C-4066-8172-84F279028A0C}" type="slidenum">
+              <a:rPr lang="LID4096" smtClean="0"/>
+              <a:t>11</a:t>
+            </a:fld>
+            <a:endParaRPr lang="LID4096"/>
+          </a:p>
+        </p:txBody>
+      </p:sp>
+      <p:sp>
+        <p:nvSpPr>
+          <p:cNvPr id="8" name="Content Placeholder 7">
+            <a:extLst>
+              <a:ext uri="{FF2B5EF4-FFF2-40B4-BE49-F238E27FC236}">
+                <a16:creationId xmlns:a16="http://schemas.microsoft.com/office/drawing/2014/main" id="{3B061F86-F347-4A94-9C9D-C3B230F3A2B5}"/>
+              </a:ext>
+            </a:extLst>
+          </p:cNvPr>
+          <p:cNvSpPr txBox="1">
+            <a:spLocks noGrp="1"/>
+          </p:cNvSpPr>
+          <p:nvPr>
+            <p:ph idx="1"/>
+          </p:nvPr>
+        </p:nvSpPr>
+        <p:spPr>
+          <a:xfrm>
+            <a:off x="2589212" y="2133600"/>
+            <a:ext cx="8915400" cy="369332"/>
+          </a:xfrm>
+          <a:prstGeom prst="rect">
+            <a:avLst/>
+          </a:prstGeom>
+          <a:noFill/>
+        </p:spPr>
+        <p:txBody>
+          <a:bodyPr wrap="square" rtlCol="0">
+            <a:spAutoFit/>
+          </a:bodyPr>
+          <a:lstStyle/>
+          <a:p>
+            <a:r>
+              <a:rPr lang="en-US" dirty="0"/>
+              <a:t>- </a:t>
+            </a:r>
+            <a:r>
+              <a:rPr lang="en-US" dirty="0" err="1">
+                <a:solidFill>
+                  <a:srgbClr val="FF0000"/>
+                </a:solidFill>
+              </a:rPr>
+              <a:t>Swimmlanes</a:t>
+            </a:r>
+            <a:r>
+              <a:rPr lang="en-US" dirty="0">
+                <a:solidFill>
+                  <a:srgbClr val="FF0000"/>
+                </a:solidFill>
+              </a:rPr>
+              <a:t> in the Background and the roles above.</a:t>
+            </a:r>
+            <a:endParaRPr lang="LID4096" dirty="0">
+              <a:solidFill>
+                <a:srgbClr val="FF0000"/>
+              </a:solidFill>
+            </a:endParaRPr>
+          </a:p>
+        </p:txBody>
+      </p:sp>
+    </p:spTree>
+    <p:extLst>
+      <p:ext uri="{BB962C8B-B14F-4D97-AF65-F5344CB8AC3E}">
+        <p14:creationId xmlns:p14="http://schemas.microsoft.com/office/powerpoint/2010/main" val="4029995989"/>
+      </p:ext>
+    </p:extLst>
+  </p:cSld>
+  <p:clrMapOvr>
+    <a:masterClrMapping/>
+  </p:clrMapOvr>
+</p:sld>
+</file>
+
+<file path=ppt/slides/slide12.xml><?xml version="1.0" encoding="utf-8"?>
+<p:sld xmlns:a="http://schemas.openxmlformats.org/drawingml/2006/main" xmlns:r="http://schemas.openxmlformats.org/officeDocument/2006/relationships" xmlns:p="http://schemas.openxmlformats.org/presentationml/2006/main">
+  <p:cSld>
+    <p:spTree>
+      <p:nvGrpSpPr>
+        <p:cNvPr id="1" name=""/>
+        <p:cNvGrpSpPr/>
+        <p:nvPr/>
+      </p:nvGrpSpPr>
+      <p:grpSpPr>
+        <a:xfrm>
+          <a:off x="0" y="0"/>
+          <a:ext cx="0" cy="0"/>
+          <a:chOff x="0" y="0"/>
+          <a:chExt cx="0" cy="0"/>
+        </a:xfrm>
+      </p:grpSpPr>
+      <p:sp>
+        <p:nvSpPr>
+          <p:cNvPr id="2" name="Title 1">
+            <a:extLst>
+              <a:ext uri="{FF2B5EF4-FFF2-40B4-BE49-F238E27FC236}">
+                <a16:creationId xmlns:a16="http://schemas.microsoft.com/office/drawing/2014/main" id="{20ACC2F6-FB36-4DB5-A905-09142D31FF1B}"/>
+              </a:ext>
+            </a:extLst>
+          </p:cNvPr>
+          <p:cNvSpPr>
+            <a:spLocks noGrp="1"/>
+          </p:cNvSpPr>
+          <p:nvPr>
+            <p:ph type="ctrTitle"/>
+          </p:nvPr>
+        </p:nvSpPr>
+        <p:spPr>
+          <a:xfrm>
+            <a:off x="2589213" y="2514600"/>
+            <a:ext cx="8915399" cy="2262781"/>
+          </a:xfrm>
+        </p:spPr>
+        <p:txBody>
+          <a:bodyPr>
+            <a:normAutofit/>
+          </a:bodyPr>
+          <a:lstStyle/>
+          <a:p>
+            <a:r>
+              <a:rPr lang="en-GB" sz="6600" dirty="0"/>
+              <a:t>Automation &amp; Service Integration</a:t>
+            </a:r>
+            <a:endParaRPr lang="LID4096" dirty="0"/>
+          </a:p>
+        </p:txBody>
+      </p:sp>
+    </p:spTree>
+    <p:extLst>
+      <p:ext uri="{BB962C8B-B14F-4D97-AF65-F5344CB8AC3E}">
+        <p14:creationId xmlns:p14="http://schemas.microsoft.com/office/powerpoint/2010/main" val="3700829186"/>
+      </p:ext>
+    </p:extLst>
+  </p:cSld>
+  <p:clrMapOvr>
+    <a:masterClrMapping/>
+  </p:clrMapOvr>
+</p:sld>
+</file>
+
+<file path=ppt/slides/slide13.xml><?xml version="1.0" encoding="utf-8"?>
+<p:sld xmlns:a="http://schemas.openxmlformats.org/drawingml/2006/main" xmlns:r="http://schemas.openxmlformats.org/officeDocument/2006/relationships" xmlns:p="http://schemas.openxmlformats.org/presentationml/2006/main">
+  <p:cSld>
+    <p:spTree>
+      <p:nvGrpSpPr>
+        <p:cNvPr id="1" name=""/>
+        <p:cNvGrpSpPr/>
+        <p:nvPr/>
+      </p:nvGrpSpPr>
+      <p:grpSpPr>
+        <a:xfrm>
+          <a:off x="0" y="0"/>
+          <a:ext cx="0" cy="0"/>
+          <a:chOff x="0" y="0"/>
+          <a:chExt cx="0" cy="0"/>
+        </a:xfrm>
+      </p:grpSpPr>
+      <p:sp>
+        <p:nvSpPr>
+          <p:cNvPr id="2" name="Title 1">
+            <a:extLst>
+              <a:ext uri="{FF2B5EF4-FFF2-40B4-BE49-F238E27FC236}">
+                <a16:creationId xmlns:a16="http://schemas.microsoft.com/office/drawing/2014/main" id="{0BE53E45-9A00-4D96-8241-5A8EE49EDCAA}"/>
+              </a:ext>
+            </a:extLst>
+          </p:cNvPr>
+          <p:cNvSpPr>
+            <a:spLocks noGrp="1"/>
+          </p:cNvSpPr>
+          <p:nvPr>
+            <p:ph type="title"/>
+          </p:nvPr>
+        </p:nvSpPr>
+        <p:spPr/>
+        <p:txBody>
+          <a:bodyPr/>
+          <a:lstStyle/>
+          <a:p>
+            <a:r>
+              <a:rPr lang="en-US" dirty="0"/>
+              <a:t>All services and its integration</a:t>
+            </a:r>
+            <a:endParaRPr lang="LID4096" dirty="0"/>
+          </a:p>
+        </p:txBody>
+      </p:sp>
+      <p:sp>
+        <p:nvSpPr>
+          <p:cNvPr id="4" name="Footer Placeholder 3">
+            <a:extLst>
+              <a:ext uri="{FF2B5EF4-FFF2-40B4-BE49-F238E27FC236}">
+                <a16:creationId xmlns:a16="http://schemas.microsoft.com/office/drawing/2014/main" id="{CDF18D4D-7E18-4819-B85B-D90EF82094F0}"/>
+              </a:ext>
+            </a:extLst>
+          </p:cNvPr>
+          <p:cNvSpPr>
+            <a:spLocks noGrp="1"/>
+          </p:cNvSpPr>
+          <p:nvPr>
+            <p:ph type="ftr" sz="quarter" idx="11"/>
+          </p:nvPr>
+        </p:nvSpPr>
+        <p:spPr/>
+        <p:txBody>
+          <a:bodyPr/>
+          <a:lstStyle/>
+          <a:p>
+            <a:endParaRPr lang="LID4096"/>
+          </a:p>
+        </p:txBody>
+      </p:sp>
+      <p:sp>
+        <p:nvSpPr>
+          <p:cNvPr id="5" name="Slide Number Placeholder 4">
+            <a:extLst>
+              <a:ext uri="{FF2B5EF4-FFF2-40B4-BE49-F238E27FC236}">
+                <a16:creationId xmlns:a16="http://schemas.microsoft.com/office/drawing/2014/main" id="{3DF34443-CA57-4A5E-91EE-7C41A34AE825}"/>
+              </a:ext>
+            </a:extLst>
+          </p:cNvPr>
+          <p:cNvSpPr>
+            <a:spLocks noGrp="1"/>
+          </p:cNvSpPr>
+          <p:nvPr>
+            <p:ph type="sldNum" sz="quarter" idx="12"/>
+          </p:nvPr>
+        </p:nvSpPr>
+        <p:spPr/>
+        <p:txBody>
+          <a:bodyPr/>
+          <a:lstStyle/>
+          <a:p>
+            <a:fld id="{82CFB014-AD6C-4066-8172-84F279028A0C}" type="slidenum">
+              <a:rPr lang="LID4096" smtClean="0"/>
+              <a:t>13</a:t>
+            </a:fld>
+            <a:endParaRPr lang="LID4096"/>
+          </a:p>
+        </p:txBody>
+      </p:sp>
+      <p:sp>
+        <p:nvSpPr>
+          <p:cNvPr id="8" name="Content Placeholder 7">
+            <a:extLst>
+              <a:ext uri="{FF2B5EF4-FFF2-40B4-BE49-F238E27FC236}">
+                <a16:creationId xmlns:a16="http://schemas.microsoft.com/office/drawing/2014/main" id="{3B061F86-F347-4A94-9C9D-C3B230F3A2B5}"/>
+              </a:ext>
+            </a:extLst>
+          </p:cNvPr>
+          <p:cNvSpPr txBox="1">
+            <a:spLocks noGrp="1"/>
+          </p:cNvSpPr>
+          <p:nvPr>
+            <p:ph idx="1"/>
+          </p:nvPr>
+        </p:nvSpPr>
+        <p:spPr>
+          <a:xfrm>
+            <a:off x="2589212" y="2133600"/>
+            <a:ext cx="8915400" cy="369332"/>
+          </a:xfrm>
+          <a:prstGeom prst="rect">
+            <a:avLst/>
+          </a:prstGeom>
+          <a:noFill/>
+        </p:spPr>
+        <p:txBody>
+          <a:bodyPr wrap="square" rtlCol="0">
+            <a:spAutoFit/>
+          </a:bodyPr>
+          <a:lstStyle/>
+          <a:p>
+            <a:endParaRPr lang="LID4096" dirty="0">
+              <a:solidFill>
+                <a:srgbClr val="FF0000"/>
+              </a:solidFill>
+            </a:endParaRPr>
+          </a:p>
+        </p:txBody>
+      </p:sp>
+    </p:spTree>
+    <p:extLst>
+      <p:ext uri="{BB962C8B-B14F-4D97-AF65-F5344CB8AC3E}">
+        <p14:creationId xmlns:p14="http://schemas.microsoft.com/office/powerpoint/2010/main" val="3318752394"/>
+      </p:ext>
+    </p:extLst>
+  </p:cSld>
+  <p:clrMapOvr>
+    <a:masterClrMapping/>
+  </p:clrMapOvr>
+</p:sld>
+</file>
+
+<file path=ppt/slides/slide14.xml><?xml version="1.0" encoding="utf-8"?>
+<p:sld xmlns:a="http://schemas.openxmlformats.org/drawingml/2006/main" xmlns:r="http://schemas.openxmlformats.org/officeDocument/2006/relationships" xmlns:p="http://schemas.openxmlformats.org/presentationml/2006/main">
+  <p:cSld>
+    <p:spTree>
+      <p:nvGrpSpPr>
+        <p:cNvPr id="1" name=""/>
+        <p:cNvGrpSpPr/>
+        <p:nvPr/>
+      </p:nvGrpSpPr>
+      <p:grpSpPr>
+        <a:xfrm>
+          <a:off x="0" y="0"/>
+          <a:ext cx="0" cy="0"/>
+          <a:chOff x="0" y="0"/>
+          <a:chExt cx="0" cy="0"/>
+        </a:xfrm>
+      </p:grpSpPr>
+      <p:sp>
+        <p:nvSpPr>
+          <p:cNvPr id="2" name="Title 1">
+            <a:extLst>
+              <a:ext uri="{FF2B5EF4-FFF2-40B4-BE49-F238E27FC236}">
+                <a16:creationId xmlns:a16="http://schemas.microsoft.com/office/drawing/2014/main" id="{20ACC2F6-FB36-4DB5-A905-09142D31FF1B}"/>
+              </a:ext>
+            </a:extLst>
+          </p:cNvPr>
+          <p:cNvSpPr>
+            <a:spLocks noGrp="1"/>
+          </p:cNvSpPr>
+          <p:nvPr>
+            <p:ph type="ctrTitle"/>
+          </p:nvPr>
+        </p:nvSpPr>
+        <p:spPr>
+          <a:xfrm>
+            <a:off x="2589213" y="2514600"/>
+            <a:ext cx="8915399" cy="2262781"/>
+          </a:xfrm>
+        </p:spPr>
+        <p:txBody>
+          <a:bodyPr>
+            <a:normAutofit/>
+          </a:bodyPr>
+          <a:lstStyle/>
+          <a:p>
+            <a:r>
+              <a:rPr lang="en-GB" sz="6600" dirty="0"/>
+              <a:t>Demo / User Guide</a:t>
+            </a:r>
+            <a:endParaRPr lang="LID4096" dirty="0"/>
+          </a:p>
+        </p:txBody>
+      </p:sp>
+    </p:spTree>
+    <p:extLst>
+      <p:ext uri="{BB962C8B-B14F-4D97-AF65-F5344CB8AC3E}">
+        <p14:creationId xmlns:p14="http://schemas.microsoft.com/office/powerpoint/2010/main" val="2317390487"/>
+      </p:ext>
+    </p:extLst>
+  </p:cSld>
+  <p:clrMapOvr>
+    <a:masterClrMapping/>
+  </p:clrMapOvr>
+</p:sld>
+</file>
+
+<file path=ppt/slides/slide15.xml><?xml version="1.0" encoding="utf-8"?>
+<p:sld xmlns:a="http://schemas.openxmlformats.org/drawingml/2006/main" xmlns:r="http://schemas.openxmlformats.org/officeDocument/2006/relationships" xmlns:p="http://schemas.openxmlformats.org/presentationml/2006/main">
+  <p:cSld>
+    <p:spTree>
+      <p:nvGrpSpPr>
+        <p:cNvPr id="1" name=""/>
+        <p:cNvGrpSpPr/>
+        <p:nvPr/>
+      </p:nvGrpSpPr>
+      <p:grpSpPr>
+        <a:xfrm>
+          <a:off x="0" y="0"/>
+          <a:ext cx="0" cy="0"/>
+          <a:chOff x="0" y="0"/>
+          <a:chExt cx="0" cy="0"/>
+        </a:xfrm>
+      </p:grpSpPr>
+      <p:sp>
+        <p:nvSpPr>
+          <p:cNvPr id="2" name="Title 1">
+            <a:extLst>
+              <a:ext uri="{FF2B5EF4-FFF2-40B4-BE49-F238E27FC236}">
+                <a16:creationId xmlns:a16="http://schemas.microsoft.com/office/drawing/2014/main" id="{0BE53E45-9A00-4D96-8241-5A8EE49EDCAA}"/>
+              </a:ext>
+            </a:extLst>
+          </p:cNvPr>
+          <p:cNvSpPr>
+            <a:spLocks noGrp="1"/>
+          </p:cNvSpPr>
+          <p:nvPr>
+            <p:ph type="title"/>
+          </p:nvPr>
+        </p:nvSpPr>
+        <p:spPr/>
+        <p:txBody>
+          <a:bodyPr/>
+          <a:lstStyle/>
+          <a:p>
+            <a:r>
+              <a:rPr lang="en-US" dirty="0"/>
+              <a:t>//TODO </a:t>
+            </a:r>
+            <a:r>
+              <a:rPr lang="en-US" dirty="0" err="1"/>
+              <a:t>Prinzscreens</a:t>
+            </a:r>
+            <a:endParaRPr lang="LID4096" dirty="0"/>
+          </a:p>
+        </p:txBody>
+      </p:sp>
+      <p:sp>
+        <p:nvSpPr>
+          <p:cNvPr id="4" name="Footer Placeholder 3">
+            <a:extLst>
+              <a:ext uri="{FF2B5EF4-FFF2-40B4-BE49-F238E27FC236}">
+                <a16:creationId xmlns:a16="http://schemas.microsoft.com/office/drawing/2014/main" id="{CDF18D4D-7E18-4819-B85B-D90EF82094F0}"/>
+              </a:ext>
+            </a:extLst>
+          </p:cNvPr>
+          <p:cNvSpPr>
+            <a:spLocks noGrp="1"/>
+          </p:cNvSpPr>
+          <p:nvPr>
+            <p:ph type="ftr" sz="quarter" idx="11"/>
+          </p:nvPr>
+        </p:nvSpPr>
+        <p:spPr/>
+        <p:txBody>
+          <a:bodyPr/>
+          <a:lstStyle/>
+          <a:p>
+            <a:endParaRPr lang="LID4096"/>
+          </a:p>
+        </p:txBody>
+      </p:sp>
+      <p:sp>
+        <p:nvSpPr>
+          <p:cNvPr id="5" name="Slide Number Placeholder 4">
+            <a:extLst>
+              <a:ext uri="{FF2B5EF4-FFF2-40B4-BE49-F238E27FC236}">
+                <a16:creationId xmlns:a16="http://schemas.microsoft.com/office/drawing/2014/main" id="{3DF34443-CA57-4A5E-91EE-7C41A34AE825}"/>
+              </a:ext>
+            </a:extLst>
+          </p:cNvPr>
+          <p:cNvSpPr>
+            <a:spLocks noGrp="1"/>
+          </p:cNvSpPr>
+          <p:nvPr>
+            <p:ph type="sldNum" sz="quarter" idx="12"/>
+          </p:nvPr>
+        </p:nvSpPr>
+        <p:spPr/>
+        <p:txBody>
+          <a:bodyPr/>
+          <a:lstStyle/>
+          <a:p>
+            <a:fld id="{82CFB014-AD6C-4066-8172-84F279028A0C}" type="slidenum">
+              <a:rPr lang="LID4096" smtClean="0"/>
+              <a:t>15</a:t>
+            </a:fld>
+            <a:endParaRPr lang="LID4096"/>
+          </a:p>
+        </p:txBody>
+      </p:sp>
+      <p:sp>
+        <p:nvSpPr>
+          <p:cNvPr id="8" name="Content Placeholder 7">
+            <a:extLst>
+              <a:ext uri="{FF2B5EF4-FFF2-40B4-BE49-F238E27FC236}">
+                <a16:creationId xmlns:a16="http://schemas.microsoft.com/office/drawing/2014/main" id="{3B061F86-F347-4A94-9C9D-C3B230F3A2B5}"/>
+              </a:ext>
+            </a:extLst>
+          </p:cNvPr>
+          <p:cNvSpPr txBox="1">
+            <a:spLocks noGrp="1"/>
+          </p:cNvSpPr>
+          <p:nvPr>
+            <p:ph idx="1"/>
+          </p:nvPr>
+        </p:nvSpPr>
+        <p:spPr>
+          <a:xfrm>
+            <a:off x="2589212" y="2133600"/>
+            <a:ext cx="8915400" cy="369332"/>
+          </a:xfrm>
+          <a:prstGeom prst="rect">
+            <a:avLst/>
+          </a:prstGeom>
+          <a:noFill/>
+        </p:spPr>
+        <p:txBody>
+          <a:bodyPr wrap="square" rtlCol="0">
+            <a:spAutoFit/>
+          </a:bodyPr>
+          <a:lstStyle/>
+          <a:p>
+            <a:r>
+              <a:rPr lang="en-US" dirty="0">
+                <a:solidFill>
+                  <a:srgbClr val="FF0000"/>
+                </a:solidFill>
+              </a:rPr>
+              <a:t>Forms of User tasks</a:t>
+            </a:r>
+          </a:p>
+        </p:txBody>
+      </p:sp>
+    </p:spTree>
+    <p:extLst>
+      <p:ext uri="{BB962C8B-B14F-4D97-AF65-F5344CB8AC3E}">
+        <p14:creationId xmlns:p14="http://schemas.microsoft.com/office/powerpoint/2010/main" val="473506249"/>
+      </p:ext>
+    </p:extLst>
+  </p:cSld>
+  <p:clrMapOvr>
+    <a:masterClrMapping/>
+  </p:clrMapOvr>
+</p:sld>
+</file>
+
 <file path=ppt/slides/slide2.xml><?xml version="1.0" encoding="utf-8"?>
 <p:sld xmlns:a="http://schemas.openxmlformats.org/drawingml/2006/main" xmlns:r="http://schemas.openxmlformats.org/officeDocument/2006/relationships" xmlns:p="http://schemas.openxmlformats.org/presentationml/2006/main">
   <p:cSld>
@@ -8780,6 +9561,12 @@
               <a:t>Service Integration</a:t>
             </a:r>
           </a:p>
+          <a:p>
+            <a:r>
+              <a:rPr lang="en-US" dirty="0"/>
+              <a:t>Demo / User Guide</a:t>
+            </a:r>
+          </a:p>
         </p:txBody>
       </p:sp>
       <p:sp>
@@ -8803,10 +9590,6 @@
           <a:bodyPr/>
           <a:lstStyle/>
           <a:p>
-            <a:r>
-              <a:rPr lang="en-US" dirty="0"/>
-              <a:t>Source Exhibit student on table: www.freepik.com</a:t>
-            </a:r>
             <a:endParaRPr lang="LID4096" dirty="0"/>
           </a:p>
         </p:txBody>
@@ -8875,6 +9658,72 @@
           <p:cNvPr id="2" name="Title 1">
             <a:extLst>
               <a:ext uri="{FF2B5EF4-FFF2-40B4-BE49-F238E27FC236}">
+                <a16:creationId xmlns:a16="http://schemas.microsoft.com/office/drawing/2014/main" id="{20ACC2F6-FB36-4DB5-A905-09142D31FF1B}"/>
+              </a:ext>
+            </a:extLst>
+          </p:cNvPr>
+          <p:cNvSpPr>
+            <a:spLocks noGrp="1"/>
+          </p:cNvSpPr>
+          <p:nvPr>
+            <p:ph type="ctrTitle"/>
+          </p:nvPr>
+        </p:nvSpPr>
+        <p:spPr>
+          <a:xfrm>
+            <a:off x="2589213" y="2514600"/>
+            <a:ext cx="8915399" cy="2262781"/>
+          </a:xfrm>
+        </p:spPr>
+        <p:txBody>
+          <a:bodyPr>
+            <a:normAutofit/>
+          </a:bodyPr>
+          <a:lstStyle/>
+          <a:p>
+            <a:r>
+              <a:rPr lang="en-GB" sz="6600" dirty="0"/>
+              <a:t>Introduction</a:t>
+            </a:r>
+            <a:endParaRPr lang="LID4096" dirty="0"/>
+          </a:p>
+        </p:txBody>
+      </p:sp>
+    </p:spTree>
+    <p:extLst>
+      <p:ext uri="{BB962C8B-B14F-4D97-AF65-F5344CB8AC3E}">
+        <p14:creationId xmlns:p14="http://schemas.microsoft.com/office/powerpoint/2010/main" val="1765584223"/>
+      </p:ext>
+    </p:extLst>
+  </p:cSld>
+  <p:clrMapOvr>
+    <a:masterClrMapping/>
+  </p:clrMapOvr>
+</p:sld>
+</file>
+
+<file path=ppt/slides/slide4.xml><?xml version="1.0" encoding="utf-8"?>
+<p:sld xmlns:a="http://schemas.openxmlformats.org/drawingml/2006/main" xmlns:r="http://schemas.openxmlformats.org/officeDocument/2006/relationships" xmlns:p="http://schemas.openxmlformats.org/presentationml/2006/main">
+  <p:cSld>
+    <p:spTree>
+      <p:nvGrpSpPr>
+        <p:cNvPr id="1" name=""/>
+        <p:cNvGrpSpPr/>
+        <p:nvPr/>
+      </p:nvGrpSpPr>
+      <p:grpSpPr>
+        <a:xfrm>
+          <a:off x="0" y="0"/>
+          <a:ext cx="0" cy="0"/>
+          <a:chOff x="0" y="0"/>
+          <a:chExt cx="0" cy="0"/>
+        </a:xfrm>
+      </p:grpSpPr>
+      <p:sp>
+        <p:nvSpPr>
+          <p:cNvPr id="2" name="Title 1">
+            <a:extLst>
+              <a:ext uri="{FF2B5EF4-FFF2-40B4-BE49-F238E27FC236}">
                 <a16:creationId xmlns:a16="http://schemas.microsoft.com/office/drawing/2014/main" id="{14C99F9F-93E5-446E-BAA8-3990701595A9}"/>
               </a:ext>
             </a:extLst>
@@ -9015,7 +9864,7 @@
           <a:p>
             <a:fld id="{82CFB014-AD6C-4066-8172-84F279028A0C}" type="slidenum">
               <a:rPr lang="LID4096" smtClean="0"/>
-              <a:t>3</a:t>
+              <a:t>4</a:t>
             </a:fld>
             <a:endParaRPr lang="LID4096"/>
           </a:p>
@@ -9083,7 +9932,7 @@
 </p:sld>
 </file>
 
-<file path=ppt/slides/slide4.xml><?xml version="1.0" encoding="utf-8"?>
+<file path=ppt/slides/slide5.xml><?xml version="1.0" encoding="utf-8"?>
 <p:sld xmlns:a="http://schemas.openxmlformats.org/drawingml/2006/main" xmlns:r="http://schemas.openxmlformats.org/officeDocument/2006/relationships" xmlns:p="http://schemas.openxmlformats.org/presentationml/2006/main">
   <p:cSld>
     <p:spTree>
@@ -9221,7 +10070,7 @@
           <a:p>
             <a:fld id="{82CFB014-AD6C-4066-8172-84F279028A0C}" type="slidenum">
               <a:rPr lang="LID4096" smtClean="0"/>
-              <a:t>4</a:t>
+              <a:t>5</a:t>
             </a:fld>
             <a:endParaRPr lang="LID4096"/>
           </a:p>
@@ -9356,150 +10205,6 @@
 </p:sld>
 </file>
 
-<file path=ppt/slides/slide5.xml><?xml version="1.0" encoding="utf-8"?>
-<p:sld xmlns:a="http://schemas.openxmlformats.org/drawingml/2006/main" xmlns:r="http://schemas.openxmlformats.org/officeDocument/2006/relationships" xmlns:p="http://schemas.openxmlformats.org/presentationml/2006/main">
-  <p:cSld>
-    <p:spTree>
-      <p:nvGrpSpPr>
-        <p:cNvPr id="1" name=""/>
-        <p:cNvGrpSpPr/>
-        <p:nvPr/>
-      </p:nvGrpSpPr>
-      <p:grpSpPr>
-        <a:xfrm>
-          <a:off x="0" y="0"/>
-          <a:ext cx="0" cy="0"/>
-          <a:chOff x="0" y="0"/>
-          <a:chExt cx="0" cy="0"/>
-        </a:xfrm>
-      </p:grpSpPr>
-      <p:sp>
-        <p:nvSpPr>
-          <p:cNvPr id="2" name="Title 1">
-            <a:extLst>
-              <a:ext uri="{FF2B5EF4-FFF2-40B4-BE49-F238E27FC236}">
-                <a16:creationId xmlns:a16="http://schemas.microsoft.com/office/drawing/2014/main" id="{A3738DDC-81B6-496A-A51A-C7FAD41E2A14}"/>
-              </a:ext>
-            </a:extLst>
-          </p:cNvPr>
-          <p:cNvSpPr>
-            <a:spLocks noGrp="1"/>
-          </p:cNvSpPr>
-          <p:nvPr>
-            <p:ph type="title"/>
-          </p:nvPr>
-        </p:nvSpPr>
-        <p:spPr/>
-        <p:txBody>
-          <a:bodyPr/>
-          <a:lstStyle/>
-          <a:p>
-            <a:r>
-              <a:rPr lang="en-US" dirty="0"/>
-              <a:t>Mission</a:t>
-            </a:r>
-            <a:endParaRPr lang="LID4096" dirty="0"/>
-          </a:p>
-        </p:txBody>
-      </p:sp>
-      <p:sp>
-        <p:nvSpPr>
-          <p:cNvPr id="3" name="Content Placeholder 2">
-            <a:extLst>
-              <a:ext uri="{FF2B5EF4-FFF2-40B4-BE49-F238E27FC236}">
-                <a16:creationId xmlns:a16="http://schemas.microsoft.com/office/drawing/2014/main" id="{9546F134-F5F1-4ED0-A4E4-93C9132E66E6}"/>
-              </a:ext>
-            </a:extLst>
-          </p:cNvPr>
-          <p:cNvSpPr>
-            <a:spLocks noGrp="1"/>
-          </p:cNvSpPr>
-          <p:nvPr>
-            <p:ph idx="1"/>
-          </p:nvPr>
-        </p:nvSpPr>
-        <p:spPr/>
-        <p:txBody>
-          <a:bodyPr/>
-          <a:lstStyle/>
-          <a:p>
-            <a:r>
-              <a:rPr lang="en-US" dirty="0"/>
-              <a:t>and to foster conscious decisions :</a:t>
-            </a:r>
-          </a:p>
-          <a:p>
-            <a:endParaRPr lang="LID4096" dirty="0"/>
-          </a:p>
-        </p:txBody>
-      </p:sp>
-      <p:sp>
-        <p:nvSpPr>
-          <p:cNvPr id="4" name="Footer Placeholder 3">
-            <a:extLst>
-              <a:ext uri="{FF2B5EF4-FFF2-40B4-BE49-F238E27FC236}">
-                <a16:creationId xmlns:a16="http://schemas.microsoft.com/office/drawing/2014/main" id="{17DE6A71-E099-41F2-A220-0F509020E1C2}"/>
-              </a:ext>
-            </a:extLst>
-          </p:cNvPr>
-          <p:cNvSpPr>
-            <a:spLocks noGrp="1"/>
-          </p:cNvSpPr>
-          <p:nvPr>
-            <p:ph type="ftr" sz="quarter" idx="11"/>
-          </p:nvPr>
-        </p:nvSpPr>
-        <p:spPr/>
-        <p:txBody>
-          <a:bodyPr/>
-          <a:lstStyle/>
-          <a:p>
-            <a:endParaRPr lang="LID4096"/>
-          </a:p>
-        </p:txBody>
-      </p:sp>
-      <p:sp>
-        <p:nvSpPr>
-          <p:cNvPr id="5" name="Slide Number Placeholder 4">
-            <a:extLst>
-              <a:ext uri="{FF2B5EF4-FFF2-40B4-BE49-F238E27FC236}">
-                <a16:creationId xmlns:a16="http://schemas.microsoft.com/office/drawing/2014/main" id="{CAB1C99A-D05B-432F-802B-0322F9AE5FF5}"/>
-              </a:ext>
-            </a:extLst>
-          </p:cNvPr>
-          <p:cNvSpPr>
-            <a:spLocks noGrp="1"/>
-          </p:cNvSpPr>
-          <p:nvPr>
-            <p:ph type="sldNum" sz="quarter" idx="12"/>
-          </p:nvPr>
-        </p:nvSpPr>
-        <p:spPr/>
-        <p:txBody>
-          <a:bodyPr/>
-          <a:lstStyle/>
-          <a:p>
-            <a:fld id="{82CFB014-AD6C-4066-8172-84F279028A0C}" type="slidenum">
-              <a:rPr lang="LID4096" smtClean="0"/>
-              <a:t>5</a:t>
-            </a:fld>
-            <a:endParaRPr lang="LID4096"/>
-          </a:p>
-        </p:txBody>
-      </p:sp>
-    </p:spTree>
-    <p:extLst>
-      <p:ext uri="{BB962C8B-B14F-4D97-AF65-F5344CB8AC3E}">
-        <p14:creationId xmlns:p14="http://schemas.microsoft.com/office/powerpoint/2010/main" val="2039894193"/>
-      </p:ext>
-    </p:extLst>
-  </p:cSld>
-  <p:clrMapOvr>
-    <a:masterClrMapping/>
-  </p:clrMapOvr>
-</p:sld>
-</file>
-
 <file path=ppt/slides/slide6.xml><?xml version="1.0" encoding="utf-8"?>
 <p:sld xmlns:a="http://schemas.openxmlformats.org/drawingml/2006/main" xmlns:r="http://schemas.openxmlformats.org/officeDocument/2006/relationships" xmlns:p="http://schemas.openxmlformats.org/presentationml/2006/main">
   <p:cSld>
@@ -9522,7 +10227,7 @@
           <p:cNvPr id="2" name="Title 1">
             <a:extLst>
               <a:ext uri="{FF2B5EF4-FFF2-40B4-BE49-F238E27FC236}">
-                <a16:creationId xmlns:a16="http://schemas.microsoft.com/office/drawing/2014/main" id="{A8278A31-594F-4CF0-A455-22EE81D1671A}"/>
+                <a16:creationId xmlns:a16="http://schemas.microsoft.com/office/drawing/2014/main" id="{A3738DDC-81B6-496A-A51A-C7FAD41E2A14}"/>
               </a:ext>
             </a:extLst>
           </p:cNvPr>
@@ -9540,7 +10245,7 @@
           <a:p>
             <a:r>
               <a:rPr lang="en-US" dirty="0"/>
-              <a:t>Goals</a:t>
+              <a:t>Mission</a:t>
             </a:r>
             <a:endParaRPr lang="LID4096" dirty="0"/>
           </a:p>
@@ -9551,7 +10256,7 @@
           <p:cNvPr id="3" name="Content Placeholder 2">
             <a:extLst>
               <a:ext uri="{FF2B5EF4-FFF2-40B4-BE49-F238E27FC236}">
-                <a16:creationId xmlns:a16="http://schemas.microsoft.com/office/drawing/2014/main" id="{838E3036-2BD9-4CD9-ABC6-FCEDA5059DDE}"/>
+                <a16:creationId xmlns:a16="http://schemas.microsoft.com/office/drawing/2014/main" id="{9546F134-F5F1-4ED0-A4E4-93C9132E66E6}"/>
               </a:ext>
             </a:extLst>
           </p:cNvPr>
@@ -9567,7 +10272,13 @@
           <a:bodyPr/>
           <a:lstStyle/>
           <a:p>
-            <a:endParaRPr lang="LID4096"/>
+            <a:r>
+              <a:rPr lang="en-US" dirty="0"/>
+              <a:t>and to foster conscious decisions :</a:t>
+            </a:r>
+          </a:p>
+          <a:p>
+            <a:endParaRPr lang="LID4096" dirty="0"/>
           </a:p>
         </p:txBody>
       </p:sp>
@@ -9576,7 +10287,7 @@
           <p:cNvPr id="4" name="Footer Placeholder 3">
             <a:extLst>
               <a:ext uri="{FF2B5EF4-FFF2-40B4-BE49-F238E27FC236}">
-                <a16:creationId xmlns:a16="http://schemas.microsoft.com/office/drawing/2014/main" id="{692DE1BE-CEA7-4BEE-8C83-435EA09625B2}"/>
+                <a16:creationId xmlns:a16="http://schemas.microsoft.com/office/drawing/2014/main" id="{17DE6A71-E099-41F2-A220-0F509020E1C2}"/>
               </a:ext>
             </a:extLst>
           </p:cNvPr>
@@ -9601,7 +10312,7 @@
           <p:cNvPr id="5" name="Slide Number Placeholder 4">
             <a:extLst>
               <a:ext uri="{FF2B5EF4-FFF2-40B4-BE49-F238E27FC236}">
-                <a16:creationId xmlns:a16="http://schemas.microsoft.com/office/drawing/2014/main" id="{FFEFACDB-2BA6-4EC9-80B3-4A3DF8EC6197}"/>
+                <a16:creationId xmlns:a16="http://schemas.microsoft.com/office/drawing/2014/main" id="{CAB1C99A-D05B-432F-802B-0322F9AE5FF5}"/>
               </a:ext>
             </a:extLst>
           </p:cNvPr>
@@ -9628,7 +10339,7 @@
     </p:spTree>
     <p:extLst>
       <p:ext uri="{BB962C8B-B14F-4D97-AF65-F5344CB8AC3E}">
-        <p14:creationId xmlns:p14="http://schemas.microsoft.com/office/powerpoint/2010/main" val="880773460"/>
+        <p14:creationId xmlns:p14="http://schemas.microsoft.com/office/powerpoint/2010/main" val="2039894193"/>
       </p:ext>
     </p:extLst>
   </p:cSld>
@@ -9660,7 +10371,7 @@
           <p:cNvPr id="2" name="Title 1">
             <a:extLst>
               <a:ext uri="{FF2B5EF4-FFF2-40B4-BE49-F238E27FC236}">
-                <a16:creationId xmlns:a16="http://schemas.microsoft.com/office/drawing/2014/main" id="{0BE53E45-9A00-4D96-8241-5A8EE49EDCAA}"/>
+                <a16:creationId xmlns:a16="http://schemas.microsoft.com/office/drawing/2014/main" id="{A8278A31-594F-4CF0-A455-22EE81D1671A}"/>
               </a:ext>
             </a:extLst>
           </p:cNvPr>
@@ -9678,7 +10389,7 @@
           <a:p>
             <a:r>
               <a:rPr lang="en-US" dirty="0"/>
-              <a:t>Process Description</a:t>
+              <a:t>Goals</a:t>
             </a:r>
             <a:endParaRPr lang="LID4096" dirty="0"/>
           </a:p>
@@ -9689,7 +10400,7 @@
           <p:cNvPr id="3" name="Content Placeholder 2">
             <a:extLst>
               <a:ext uri="{FF2B5EF4-FFF2-40B4-BE49-F238E27FC236}">
-                <a16:creationId xmlns:a16="http://schemas.microsoft.com/office/drawing/2014/main" id="{D086C9EE-17C7-4AB6-B8F7-FD677EE501B4}"/>
+                <a16:creationId xmlns:a16="http://schemas.microsoft.com/office/drawing/2014/main" id="{838E3036-2BD9-4CD9-ABC6-FCEDA5059DDE}"/>
               </a:ext>
             </a:extLst>
           </p:cNvPr>
@@ -9705,7 +10416,7 @@
           <a:bodyPr/>
           <a:lstStyle/>
           <a:p>
-            <a:endParaRPr lang="LID4096" dirty="0"/>
+            <a:endParaRPr lang="LID4096"/>
           </a:p>
         </p:txBody>
       </p:sp>
@@ -9714,7 +10425,7 @@
           <p:cNvPr id="4" name="Footer Placeholder 3">
             <a:extLst>
               <a:ext uri="{FF2B5EF4-FFF2-40B4-BE49-F238E27FC236}">
-                <a16:creationId xmlns:a16="http://schemas.microsoft.com/office/drawing/2014/main" id="{CDF18D4D-7E18-4819-B85B-D90EF82094F0}"/>
+                <a16:creationId xmlns:a16="http://schemas.microsoft.com/office/drawing/2014/main" id="{692DE1BE-CEA7-4BEE-8C83-435EA09625B2}"/>
               </a:ext>
             </a:extLst>
           </p:cNvPr>
@@ -9739,7 +10450,7 @@
           <p:cNvPr id="5" name="Slide Number Placeholder 4">
             <a:extLst>
               <a:ext uri="{FF2B5EF4-FFF2-40B4-BE49-F238E27FC236}">
-                <a16:creationId xmlns:a16="http://schemas.microsoft.com/office/drawing/2014/main" id="{3DF34443-CA57-4A5E-91EE-7C41A34AE825}"/>
+                <a16:creationId xmlns:a16="http://schemas.microsoft.com/office/drawing/2014/main" id="{FFEFACDB-2BA6-4EC9-80B3-4A3DF8EC6197}"/>
               </a:ext>
             </a:extLst>
           </p:cNvPr>
@@ -9766,7 +10477,7 @@
     </p:spTree>
     <p:extLst>
       <p:ext uri="{BB962C8B-B14F-4D97-AF65-F5344CB8AC3E}">
-        <p14:creationId xmlns:p14="http://schemas.microsoft.com/office/powerpoint/2010/main" val="145863116"/>
+        <p14:creationId xmlns:p14="http://schemas.microsoft.com/office/powerpoint/2010/main" val="880773460"/>
       </p:ext>
     </p:extLst>
   </p:cSld>
@@ -9798,7 +10509,7 @@
           <p:cNvPr id="2" name="Title 1">
             <a:extLst>
               <a:ext uri="{FF2B5EF4-FFF2-40B4-BE49-F238E27FC236}">
-                <a16:creationId xmlns:a16="http://schemas.microsoft.com/office/drawing/2014/main" id="{C3686D9F-26D1-462C-9F9B-B7BC699FE095}"/>
+                <a16:creationId xmlns:a16="http://schemas.microsoft.com/office/drawing/2014/main" id="{0BE53E45-9A00-4D96-8241-5A8EE49EDCAA}"/>
               </a:ext>
             </a:extLst>
           </p:cNvPr>
@@ -9814,16 +10525,20 @@
           <a:bodyPr/>
           <a:lstStyle/>
           <a:p>
-            <a:endParaRPr lang="LID4096"/>
-          </a:p>
-        </p:txBody>
-      </p:sp>
-      <p:sp>
-        <p:nvSpPr>
-          <p:cNvPr id="3" name="Content Placeholder 2">
+            <a:r>
+              <a:rPr lang="en-US" dirty="0"/>
+              <a:t>Process Description</a:t>
+            </a:r>
+            <a:endParaRPr lang="LID4096" dirty="0"/>
+          </a:p>
+        </p:txBody>
+      </p:sp>
+      <p:sp>
+        <p:nvSpPr>
+          <p:cNvPr id="4" name="Footer Placeholder 3">
             <a:extLst>
               <a:ext uri="{FF2B5EF4-FFF2-40B4-BE49-F238E27FC236}">
-                <a16:creationId xmlns:a16="http://schemas.microsoft.com/office/drawing/2014/main" id="{8D3BA8A6-50C7-4215-BB45-70BB6A0DA9C3}"/>
+                <a16:creationId xmlns:a16="http://schemas.microsoft.com/office/drawing/2014/main" id="{CDF18D4D-7E18-4819-B85B-D90EF82094F0}"/>
               </a:ext>
             </a:extLst>
           </p:cNvPr>
@@ -9831,7 +10546,7 @@
             <a:spLocks noGrp="1"/>
           </p:cNvSpPr>
           <p:nvPr>
-            <p:ph sz="half" idx="1"/>
+            <p:ph type="ftr" sz="quarter" idx="11"/>
           </p:nvPr>
         </p:nvSpPr>
         <p:spPr/>
@@ -9845,60 +10560,10 @@
       </p:sp>
       <p:sp>
         <p:nvSpPr>
-          <p:cNvPr id="4" name="Content Placeholder 3">
+          <p:cNvPr id="5" name="Slide Number Placeholder 4">
             <a:extLst>
               <a:ext uri="{FF2B5EF4-FFF2-40B4-BE49-F238E27FC236}">
-                <a16:creationId xmlns:a16="http://schemas.microsoft.com/office/drawing/2014/main" id="{4CA09425-9E91-4C16-892C-FC54C7BBC3F6}"/>
-              </a:ext>
-            </a:extLst>
-          </p:cNvPr>
-          <p:cNvSpPr>
-            <a:spLocks noGrp="1"/>
-          </p:cNvSpPr>
-          <p:nvPr>
-            <p:ph sz="half" idx="2"/>
-          </p:nvPr>
-        </p:nvSpPr>
-        <p:spPr/>
-        <p:txBody>
-          <a:bodyPr/>
-          <a:lstStyle/>
-          <a:p>
-            <a:endParaRPr lang="LID4096"/>
-          </a:p>
-        </p:txBody>
-      </p:sp>
-      <p:sp>
-        <p:nvSpPr>
-          <p:cNvPr id="5" name="Footer Placeholder 4">
-            <a:extLst>
-              <a:ext uri="{FF2B5EF4-FFF2-40B4-BE49-F238E27FC236}">
-                <a16:creationId xmlns:a16="http://schemas.microsoft.com/office/drawing/2014/main" id="{9C660868-8E01-4788-A527-291BD8C1DA5F}"/>
-              </a:ext>
-            </a:extLst>
-          </p:cNvPr>
-          <p:cNvSpPr>
-            <a:spLocks noGrp="1"/>
-          </p:cNvSpPr>
-          <p:nvPr>
-            <p:ph type="ftr" sz="quarter" idx="11"/>
-          </p:nvPr>
-        </p:nvSpPr>
-        <p:spPr/>
-        <p:txBody>
-          <a:bodyPr/>
-          <a:lstStyle/>
-          <a:p>
-            <a:endParaRPr lang="LID4096"/>
-          </a:p>
-        </p:txBody>
-      </p:sp>
-      <p:sp>
-        <p:nvSpPr>
-          <p:cNvPr id="6" name="Slide Number Placeholder 5">
-            <a:extLst>
-              <a:ext uri="{FF2B5EF4-FFF2-40B4-BE49-F238E27FC236}">
-                <a16:creationId xmlns:a16="http://schemas.microsoft.com/office/drawing/2014/main" id="{8DA868FA-D978-4DDA-9ACD-FC565D083676}"/>
+                <a16:creationId xmlns:a16="http://schemas.microsoft.com/office/drawing/2014/main" id="{3DF34443-CA57-4A5E-91EE-7C41A34AE825}"/>
               </a:ext>
             </a:extLst>
           </p:cNvPr>
@@ -9922,10 +10587,271 @@
           </a:p>
         </p:txBody>
       </p:sp>
+      <p:pic>
+        <p:nvPicPr>
+          <p:cNvPr id="10" name="Content Placeholder 9">
+            <a:extLst>
+              <a:ext uri="{FF2B5EF4-FFF2-40B4-BE49-F238E27FC236}">
+                <a16:creationId xmlns:a16="http://schemas.microsoft.com/office/drawing/2014/main" id="{DBFB51FE-E482-4FE5-B477-24475460DFC3}"/>
+              </a:ext>
+            </a:extLst>
+          </p:cNvPr>
+          <p:cNvPicPr>
+            <a:picLocks noGrp="1" noChangeAspect="1"/>
+          </p:cNvPicPr>
+          <p:nvPr>
+            <p:ph idx="1"/>
+          </p:nvPr>
+        </p:nvPicPr>
+        <p:blipFill>
+          <a:blip r:embed="rId2">
+            <a:extLst>
+              <a:ext uri="{28A0092B-C50C-407E-A947-70E740481C1C}">
+                <a14:useLocalDpi xmlns:a14="http://schemas.microsoft.com/office/drawing/2010/main" val="0"/>
+              </a:ext>
+              <a:ext uri="{96DAC541-7B7A-43D3-8B79-37D633B846F1}">
+                <asvg:svgBlip xmlns:asvg="http://schemas.microsoft.com/office/drawing/2016/SVG/main" r:embed="rId3"/>
+              </a:ext>
+            </a:extLst>
+          </a:blip>
+          <a:stretch>
+            <a:fillRect/>
+          </a:stretch>
+        </p:blipFill>
+        <p:spPr>
+          <a:xfrm>
+            <a:off x="2589212" y="1904999"/>
+            <a:ext cx="7618276" cy="2321943"/>
+          </a:xfrm>
+        </p:spPr>
+      </p:pic>
+      <p:sp>
+        <p:nvSpPr>
+          <p:cNvPr id="11" name="TextBox 10">
+            <a:extLst>
+              <a:ext uri="{FF2B5EF4-FFF2-40B4-BE49-F238E27FC236}">
+                <a16:creationId xmlns:a16="http://schemas.microsoft.com/office/drawing/2014/main" id="{B7E60A1A-18EC-41F0-B1A9-09C4AED9D9ED}"/>
+              </a:ext>
+            </a:extLst>
+          </p:cNvPr>
+          <p:cNvSpPr txBox="1"/>
+          <p:nvPr/>
+        </p:nvSpPr>
+        <p:spPr>
+          <a:xfrm>
+            <a:off x="2789208" y="3709358"/>
+            <a:ext cx="4088920" cy="646331"/>
+          </a:xfrm>
+          <a:prstGeom prst="rect">
+            <a:avLst/>
+          </a:prstGeom>
+          <a:noFill/>
+        </p:spPr>
+        <p:txBody>
+          <a:bodyPr wrap="square" rtlCol="0">
+            <a:spAutoFit/>
+          </a:bodyPr>
+          <a:lstStyle/>
+          <a:p>
+            <a:r>
+              <a:rPr lang="en-US" dirty="0"/>
+              <a:t>- </a:t>
+            </a:r>
+            <a:r>
+              <a:rPr lang="en-US" dirty="0" err="1">
+                <a:solidFill>
+                  <a:srgbClr val="FF0000"/>
+                </a:solidFill>
+              </a:rPr>
+              <a:t>Swimmlanes</a:t>
+            </a:r>
+            <a:r>
+              <a:rPr lang="en-US" dirty="0">
+                <a:solidFill>
+                  <a:srgbClr val="FF0000"/>
+                </a:solidFill>
+              </a:rPr>
+              <a:t> und Database </a:t>
+            </a:r>
+            <a:r>
+              <a:rPr lang="en-US" dirty="0" err="1">
+                <a:solidFill>
+                  <a:srgbClr val="FF0000"/>
+                </a:solidFill>
+              </a:rPr>
+              <a:t>fehlen</a:t>
+            </a:r>
+            <a:r>
+              <a:rPr lang="en-US" dirty="0">
+                <a:solidFill>
+                  <a:srgbClr val="FF0000"/>
+                </a:solidFill>
+              </a:rPr>
+              <a:t>.</a:t>
+            </a:r>
+            <a:endParaRPr lang="LID4096" dirty="0">
+              <a:solidFill>
+                <a:srgbClr val="FF0000"/>
+              </a:solidFill>
+            </a:endParaRPr>
+          </a:p>
+        </p:txBody>
+      </p:sp>
     </p:spTree>
     <p:extLst>
       <p:ext uri="{BB962C8B-B14F-4D97-AF65-F5344CB8AC3E}">
-        <p14:creationId xmlns:p14="http://schemas.microsoft.com/office/powerpoint/2010/main" val="1884353165"/>
+        <p14:creationId xmlns:p14="http://schemas.microsoft.com/office/powerpoint/2010/main" val="145863116"/>
+      </p:ext>
+    </p:extLst>
+  </p:cSld>
+  <p:clrMapOvr>
+    <a:masterClrMapping/>
+  </p:clrMapOvr>
+</p:sld>
+</file>
+
+<file path=ppt/slides/slide9.xml><?xml version="1.0" encoding="utf-8"?>
+<p:sld xmlns:a="http://schemas.openxmlformats.org/drawingml/2006/main" xmlns:r="http://schemas.openxmlformats.org/officeDocument/2006/relationships" xmlns:p="http://schemas.openxmlformats.org/presentationml/2006/main">
+  <p:cSld>
+    <p:spTree>
+      <p:nvGrpSpPr>
+        <p:cNvPr id="1" name=""/>
+        <p:cNvGrpSpPr/>
+        <p:nvPr/>
+      </p:nvGrpSpPr>
+      <p:grpSpPr>
+        <a:xfrm>
+          <a:off x="0" y="0"/>
+          <a:ext cx="0" cy="0"/>
+          <a:chOff x="0" y="0"/>
+          <a:chExt cx="0" cy="0"/>
+        </a:xfrm>
+      </p:grpSpPr>
+      <p:sp>
+        <p:nvSpPr>
+          <p:cNvPr id="2" name="Title 1">
+            <a:extLst>
+              <a:ext uri="{FF2B5EF4-FFF2-40B4-BE49-F238E27FC236}">
+                <a16:creationId xmlns:a16="http://schemas.microsoft.com/office/drawing/2014/main" id="{0BE53E45-9A00-4D96-8241-5A8EE49EDCAA}"/>
+              </a:ext>
+            </a:extLst>
+          </p:cNvPr>
+          <p:cNvSpPr>
+            <a:spLocks noGrp="1"/>
+          </p:cNvSpPr>
+          <p:nvPr>
+            <p:ph type="title"/>
+          </p:nvPr>
+        </p:nvSpPr>
+        <p:spPr/>
+        <p:txBody>
+          <a:bodyPr/>
+          <a:lstStyle/>
+          <a:p>
+            <a:r>
+              <a:rPr lang="en-US" dirty="0"/>
+              <a:t>Task Types</a:t>
+            </a:r>
+            <a:endParaRPr lang="LID4096" dirty="0"/>
+          </a:p>
+        </p:txBody>
+      </p:sp>
+      <p:sp>
+        <p:nvSpPr>
+          <p:cNvPr id="4" name="Footer Placeholder 3">
+            <a:extLst>
+              <a:ext uri="{FF2B5EF4-FFF2-40B4-BE49-F238E27FC236}">
+                <a16:creationId xmlns:a16="http://schemas.microsoft.com/office/drawing/2014/main" id="{CDF18D4D-7E18-4819-B85B-D90EF82094F0}"/>
+              </a:ext>
+            </a:extLst>
+          </p:cNvPr>
+          <p:cNvSpPr>
+            <a:spLocks noGrp="1"/>
+          </p:cNvSpPr>
+          <p:nvPr>
+            <p:ph type="ftr" sz="quarter" idx="11"/>
+          </p:nvPr>
+        </p:nvSpPr>
+        <p:spPr/>
+        <p:txBody>
+          <a:bodyPr/>
+          <a:lstStyle/>
+          <a:p>
+            <a:endParaRPr lang="LID4096"/>
+          </a:p>
+        </p:txBody>
+      </p:sp>
+      <p:sp>
+        <p:nvSpPr>
+          <p:cNvPr id="5" name="Slide Number Placeholder 4">
+            <a:extLst>
+              <a:ext uri="{FF2B5EF4-FFF2-40B4-BE49-F238E27FC236}">
+                <a16:creationId xmlns:a16="http://schemas.microsoft.com/office/drawing/2014/main" id="{3DF34443-CA57-4A5E-91EE-7C41A34AE825}"/>
+              </a:ext>
+            </a:extLst>
+          </p:cNvPr>
+          <p:cNvSpPr>
+            <a:spLocks noGrp="1"/>
+          </p:cNvSpPr>
+          <p:nvPr>
+            <p:ph type="sldNum" sz="quarter" idx="12"/>
+          </p:nvPr>
+        </p:nvSpPr>
+        <p:spPr/>
+        <p:txBody>
+          <a:bodyPr/>
+          <a:lstStyle/>
+          <a:p>
+            <a:fld id="{82CFB014-AD6C-4066-8172-84F279028A0C}" type="slidenum">
+              <a:rPr lang="LID4096" smtClean="0"/>
+              <a:t>9</a:t>
+            </a:fld>
+            <a:endParaRPr lang="LID4096"/>
+          </a:p>
+        </p:txBody>
+      </p:sp>
+      <p:pic>
+        <p:nvPicPr>
+          <p:cNvPr id="8" name="Content Placeholder 7">
+            <a:extLst>
+              <a:ext uri="{FF2B5EF4-FFF2-40B4-BE49-F238E27FC236}">
+                <a16:creationId xmlns:a16="http://schemas.microsoft.com/office/drawing/2014/main" id="{83F34F62-AFBD-4111-BB97-5B4F7E4A80CE}"/>
+              </a:ext>
+            </a:extLst>
+          </p:cNvPr>
+          <p:cNvPicPr>
+            <a:picLocks noGrp="1" noChangeAspect="1"/>
+          </p:cNvPicPr>
+          <p:nvPr>
+            <p:ph idx="1"/>
+          </p:nvPr>
+        </p:nvPicPr>
+        <p:blipFill>
+          <a:blip r:embed="rId2">
+            <a:extLst>
+              <a:ext uri="{28A0092B-C50C-407E-A947-70E740481C1C}">
+                <a14:useLocalDpi xmlns:a14="http://schemas.microsoft.com/office/drawing/2010/main" val="0"/>
+              </a:ext>
+              <a:ext uri="{96DAC541-7B7A-43D3-8B79-37D633B846F1}">
+                <asvg:svgBlip xmlns:asvg="http://schemas.microsoft.com/office/drawing/2016/SVG/main" r:embed="rId3"/>
+              </a:ext>
+            </a:extLst>
+          </a:blip>
+          <a:stretch>
+            <a:fillRect/>
+          </a:stretch>
+        </p:blipFill>
+        <p:spPr>
+          <a:xfrm>
+            <a:off x="2589212" y="2090948"/>
+            <a:ext cx="4124325" cy="2000250"/>
+          </a:xfrm>
+        </p:spPr>
+      </p:pic>
+    </p:spTree>
+    <p:extLst>
+      <p:ext uri="{BB962C8B-B14F-4D97-AF65-F5344CB8AC3E}">
+        <p14:creationId xmlns:p14="http://schemas.microsoft.com/office/powerpoint/2010/main" val="3142109795"/>
       </p:ext>
     </p:extLst>
   </p:cSld>
